--- a/Class_Presentation_v1.pptx
+++ b/Class_Presentation_v1.pptx
@@ -301,7 +301,7 @@
           <a:p>
             <a:fld id="{88D38747-4367-4BD2-8D51-C97E202738E2}" type="datetime1">
               <a:rPr lang="en-US" smtClean="0"/>
-              <a:t>1/22/2020</a:t>
+              <a:t>1/23/2020</a:t>
             </a:fld>
             <a:endParaRPr lang="en-US" dirty="0"/>
           </a:p>
@@ -606,7 +606,7 @@
           <a:p>
             <a:fld id="{11F1B079-7EF0-44EE-B798-BCC497C9F3B2}" type="datetime1">
               <a:rPr lang="en-US" smtClean="0"/>
-              <a:t>1/22/2020</a:t>
+              <a:t>1/23/2020</a:t>
             </a:fld>
             <a:endParaRPr lang="en-US" dirty="0"/>
           </a:p>
@@ -800,7 +800,7 @@
           <a:p>
             <a:fld id="{28FF70A8-1D13-4657-95F0-A9EA54967B8D}" type="datetime1">
               <a:rPr lang="en-US" smtClean="0"/>
-              <a:t>1/22/2020</a:t>
+              <a:t>1/23/2020</a:t>
             </a:fld>
             <a:endParaRPr lang="en-US" dirty="0"/>
           </a:p>
@@ -1063,7 +1063,7 @@
           <a:p>
             <a:fld id="{21EB90AC-71BD-4C7F-8ACA-7B3F18292E63}" type="datetime1">
               <a:rPr lang="en-US" smtClean="0"/>
-              <a:t>1/22/2020</a:t>
+              <a:t>1/23/2020</a:t>
             </a:fld>
             <a:endParaRPr lang="en-US" dirty="0"/>
           </a:p>
@@ -1499,7 +1499,7 @@
           <a:p>
             <a:fld id="{4E6EFC2C-8905-46F0-B443-CE905B76BA01}" type="datetime1">
               <a:rPr lang="en-US" smtClean="0"/>
-              <a:t>1/22/2020</a:t>
+              <a:t>1/23/2020</a:t>
             </a:fld>
             <a:endParaRPr lang="en-US" dirty="0"/>
           </a:p>
@@ -2036,7 +2036,7 @@
           <a:p>
             <a:fld id="{D9079DC3-C9B5-499E-9140-0DC28B7074E2}" type="datetime1">
               <a:rPr lang="en-US" smtClean="0"/>
-              <a:t>1/22/2020</a:t>
+              <a:t>1/23/2020</a:t>
             </a:fld>
             <a:endParaRPr lang="en-US" dirty="0"/>
           </a:p>
@@ -2918,7 +2918,7 @@
           <a:p>
             <a:fld id="{30BB33EA-E472-4D22-9C03-A9C14AA21CED}" type="datetime1">
               <a:rPr lang="en-US" smtClean="0"/>
-              <a:t>1/22/2020</a:t>
+              <a:t>1/23/2020</a:t>
             </a:fld>
             <a:endParaRPr lang="en-US" dirty="0"/>
           </a:p>
@@ -3088,7 +3088,7 @@
           <a:p>
             <a:fld id="{217E833E-1B6D-415F-AD29-75AE8C43BD0D}" type="datetime1">
               <a:rPr lang="en-US" smtClean="0"/>
-              <a:t>1/22/2020</a:t>
+              <a:t>1/23/2020</a:t>
             </a:fld>
             <a:endParaRPr lang="en-US" dirty="0"/>
           </a:p>
@@ -3272,7 +3272,7 @@
           <a:p>
             <a:fld id="{8452596F-08A7-4B70-989A-F2B1CF31E66B}" type="datetime1">
               <a:rPr lang="en-US" smtClean="0"/>
-              <a:t>1/22/2020</a:t>
+              <a:t>1/23/2020</a:t>
             </a:fld>
             <a:endParaRPr lang="en-US" dirty="0"/>
           </a:p>
@@ -3442,7 +3442,7 @@
           <a:p>
             <a:fld id="{73C55A3C-5767-4844-A0A3-83778C2E5409}" type="datetime1">
               <a:rPr lang="en-US" smtClean="0"/>
-              <a:t>1/22/2020</a:t>
+              <a:t>1/23/2020</a:t>
             </a:fld>
             <a:endParaRPr lang="en-US" dirty="0"/>
           </a:p>
@@ -3686,7 +3686,7 @@
           <a:p>
             <a:fld id="{CAE507A8-A5CF-4D38-AB86-7EDDA87A85D4}" type="datetime1">
               <a:rPr lang="en-US" smtClean="0"/>
-              <a:t>1/22/2020</a:t>
+              <a:t>1/23/2020</a:t>
             </a:fld>
             <a:endParaRPr lang="en-US" dirty="0"/>
           </a:p>
@@ -3928,7 +3928,7 @@
           <a:p>
             <a:fld id="{BDFCD27C-8599-43EF-BA1D-14DDC1946E06}" type="datetime1">
               <a:rPr lang="en-US" smtClean="0"/>
-              <a:t>1/22/2020</a:t>
+              <a:t>1/23/2020</a:t>
             </a:fld>
             <a:endParaRPr lang="en-US" dirty="0"/>
           </a:p>
@@ -4411,7 +4411,7 @@
           <a:p>
             <a:fld id="{49343D99-809A-49C0-96E5-4250D0B498EE}" type="datetime1">
               <a:rPr lang="en-US" smtClean="0"/>
-              <a:t>1/22/2020</a:t>
+              <a:t>1/23/2020</a:t>
             </a:fld>
             <a:endParaRPr lang="en-US" dirty="0"/>
           </a:p>
@@ -4529,7 +4529,7 @@
           <a:p>
             <a:fld id="{A143DE9B-B678-4EFB-BB7D-A4370204A0B0}" type="datetime1">
               <a:rPr lang="en-US" smtClean="0"/>
-              <a:t>1/22/2020</a:t>
+              <a:t>1/23/2020</a:t>
             </a:fld>
             <a:endParaRPr lang="en-US" dirty="0"/>
           </a:p>
@@ -4624,7 +4624,7 @@
           <a:p>
             <a:fld id="{E68812DA-F765-4142-A6A3-A8ED7235E082}" type="datetime1">
               <a:rPr lang="en-US" smtClean="0"/>
-              <a:t>1/22/2020</a:t>
+              <a:t>1/23/2020</a:t>
             </a:fld>
             <a:endParaRPr lang="en-US" dirty="0"/>
           </a:p>
@@ -4879,7 +4879,7 @@
           <a:p>
             <a:fld id="{3E0277FD-7DE6-41D4-930D-AC99F5AFE54E}" type="datetime1">
               <a:rPr lang="en-US" smtClean="0"/>
-              <a:t>1/22/2020</a:t>
+              <a:t>1/23/2020</a:t>
             </a:fld>
             <a:endParaRPr lang="en-US" dirty="0"/>
           </a:p>
@@ -5186,7 +5186,7 @@
           <a:p>
             <a:fld id="{9EA15526-7079-4B7B-987C-1B5FAE11A0FF}" type="datetime1">
               <a:rPr lang="en-US" smtClean="0"/>
-              <a:t>1/22/2020</a:t>
+              <a:t>1/23/2020</a:t>
             </a:fld>
             <a:endParaRPr lang="en-US" dirty="0"/>
           </a:p>
@@ -5421,7 +5421,7 @@
           <a:p>
             <a:fld id="{073ED0CC-082F-4160-86E5-0D6041F12778}" type="datetime1">
               <a:rPr lang="en-US" smtClean="0"/>
-              <a:t>1/22/2020</a:t>
+              <a:t>1/23/2020</a:t>
             </a:fld>
             <a:endParaRPr lang="en-US" dirty="0"/>
           </a:p>
@@ -8105,7 +8105,7 @@
         <p:spPr>
           <a:xfrm>
             <a:off x="-80130" y="6367340"/>
-            <a:ext cx="12480789" cy="369332"/>
+            <a:ext cx="12632304" cy="369332"/>
           </a:xfrm>
           <a:prstGeom prst="rect">
             <a:avLst/>
@@ -8124,7 +8124,23 @@
                   <a:srgbClr val="FFFF00"/>
                 </a:solidFill>
               </a:rPr>
-              <a:t>Hypothesis Conclusion: Due to Significant p-values, it is true that it was easier to score after 1997, even after adjusting for max value</a:t>
+              <a:t>Hypothesis Conclusion: Due to Significant p-values, it is true that it was easier to </a:t>
+            </a:r>
+            <a:r>
+              <a:rPr lang="en-US" b="1">
+                <a:solidFill>
+                  <a:srgbClr val="FFFF00"/>
+                </a:solidFill>
+              </a:rPr>
+              <a:t>score before </a:t>
+            </a:r>
+            <a:r>
+              <a:rPr lang="en-US" b="1" dirty="0">
+                <a:solidFill>
+                  <a:srgbClr val="FFFF00"/>
+                </a:solidFill>
+              </a:rPr>
+              <a:t>1997, even after adjusting for max value</a:t>
             </a:r>
           </a:p>
         </p:txBody>
